--- a/PPT/5. PostgreSQL/CRUD2.pptx
+++ b/PPT/5. PostgreSQL/CRUD2.pptx
@@ -5,9 +5,11 @@
     <p:sldMasterId id="2147483648" r:id="rId1"/>
   </p:sldMasterIdLst>
   <p:sldIdLst>
-    <p:sldId id="270" r:id="rId2"/>
-    <p:sldId id="273" r:id="rId3"/>
-    <p:sldId id="275" r:id="rId4"/>
+    <p:sldId id="276" r:id="rId2"/>
+    <p:sldId id="270" r:id="rId3"/>
+    <p:sldId id="273" r:id="rId4"/>
+    <p:sldId id="277" r:id="rId5"/>
+    <p:sldId id="275" r:id="rId6"/>
   </p:sldIdLst>
   <p:sldSz cx="12192000" cy="6858000"/>
   <p:notesSz cx="6858000" cy="9144000"/>
@@ -3336,6 +3338,104 @@
           <a:chExt cx="0" cy="0"/>
         </a:xfrm>
       </p:grpSpPr>
+      <p:pic>
+        <p:nvPicPr>
+          <p:cNvPr id="7" name="그림 6">
+            <a:extLst>
+              <a:ext uri="{FF2B5EF4-FFF2-40B4-BE49-F238E27FC236}">
+                <a16:creationId xmlns:a16="http://schemas.microsoft.com/office/drawing/2014/main" id="{5A02F971-49FF-4716-A15A-21E25FB2697E}"/>
+              </a:ext>
+            </a:extLst>
+          </p:cNvPr>
+          <p:cNvPicPr>
+            <a:picLocks noChangeAspect="1"/>
+          </p:cNvPicPr>
+          <p:nvPr/>
+        </p:nvPicPr>
+        <p:blipFill>
+          <a:blip r:embed="rId2"/>
+          <a:stretch>
+            <a:fillRect/>
+          </a:stretch>
+        </p:blipFill>
+        <p:spPr>
+          <a:xfrm>
+            <a:off x="643467" y="2145771"/>
+            <a:ext cx="5291666" cy="2566457"/>
+          </a:xfrm>
+          <a:prstGeom prst="rect">
+            <a:avLst/>
+          </a:prstGeom>
+        </p:spPr>
+      </p:pic>
+      <p:pic>
+        <p:nvPicPr>
+          <p:cNvPr id="5" name="그림 4">
+            <a:extLst>
+              <a:ext uri="{FF2B5EF4-FFF2-40B4-BE49-F238E27FC236}">
+                <a16:creationId xmlns:a16="http://schemas.microsoft.com/office/drawing/2014/main" id="{B5E3E82C-4E1E-4DF4-B52D-EFCAF0A18837}"/>
+              </a:ext>
+            </a:extLst>
+          </p:cNvPr>
+          <p:cNvPicPr>
+            <a:picLocks noChangeAspect="1"/>
+          </p:cNvPicPr>
+          <p:nvPr/>
+        </p:nvPicPr>
+        <p:blipFill>
+          <a:blip r:embed="rId3"/>
+          <a:stretch>
+            <a:fillRect/>
+          </a:stretch>
+        </p:blipFill>
+        <p:spPr>
+          <a:xfrm>
+            <a:off x="6256865" y="2734468"/>
+            <a:ext cx="5291667" cy="1389063"/>
+          </a:xfrm>
+          <a:prstGeom prst="rect">
+            <a:avLst/>
+          </a:prstGeom>
+        </p:spPr>
+      </p:pic>
+    </p:spTree>
+    <p:extLst>
+      <p:ext uri="{BB962C8B-B14F-4D97-AF65-F5344CB8AC3E}">
+        <p14:creationId xmlns:p14="http://schemas.microsoft.com/office/powerpoint/2010/main" val="3489779708"/>
+      </p:ext>
+    </p:extLst>
+  </p:cSld>
+  <p:clrMapOvr>
+    <a:masterClrMapping/>
+  </p:clrMapOvr>
+</p:sld>
+</file>
+
+<file path=ppt/slides/slide2.xml><?xml version="1.0" encoding="utf-8"?>
+<p:sld xmlns:a="http://schemas.openxmlformats.org/drawingml/2006/main" xmlns:r="http://schemas.openxmlformats.org/officeDocument/2006/relationships" xmlns:p="http://schemas.openxmlformats.org/presentationml/2006/main">
+  <p:cSld>
+    <p:bg>
+      <p:bgPr>
+        <a:solidFill>
+          <a:schemeClr val="bg1"/>
+        </a:solidFill>
+        <a:effectLst/>
+      </p:bgPr>
+    </p:bg>
+    <p:spTree>
+      <p:nvGrpSpPr>
+        <p:cNvPr id="1" name=""/>
+        <p:cNvGrpSpPr/>
+        <p:nvPr/>
+      </p:nvGrpSpPr>
+      <p:grpSpPr>
+        <a:xfrm>
+          <a:off x="0" y="0"/>
+          <a:ext cx="0" cy="0"/>
+          <a:chOff x="0" y="0"/>
+          <a:chExt cx="0" cy="0"/>
+        </a:xfrm>
+      </p:grpSpPr>
       <p:sp>
         <p:nvSpPr>
           <p:cNvPr id="17" name="Rectangle 16">
@@ -3535,7 +3635,7 @@
         </p:spPr>
         <p:txBody>
           <a:bodyPr>
-            <a:normAutofit/>
+            <a:normAutofit fontScale="85000" lnSpcReduction="20000"/>
           </a:bodyPr>
           <a:lstStyle/>
           <a:p>
@@ -3566,7 +3666,7 @@
                 <a:effectLst/>
                 <a:ea typeface="맑은 고딕" panose="020B0503020000020004" pitchFamily="50" charset="-127"/>
               </a:rPr>
-              <a:t>SELECT * FROM topic;	// *</a:t>
+              <a:t>SELECT * FROM person;	// *</a:t>
             </a:r>
             <a:r>
               <a:rPr lang="ko-KR" altLang="en-US" sz="1700" kern="0" spc="0">
@@ -3613,7 +3713,26 @@
                 <a:effectLst/>
                 <a:ea typeface="맑은 고딕" panose="020B0503020000020004" pitchFamily="50" charset="-127"/>
               </a:rPr>
-              <a:t>SELECT id, title, created FROM topic;</a:t>
+              <a:t>SELECT id, name, gender FROM </a:t>
+            </a:r>
+            <a:r>
+              <a:rPr lang="en-US" altLang="ko-KR" sz="1700" kern="0">
+                <a:solidFill>
+                  <a:srgbClr val="000000"/>
+                </a:solidFill>
+                <a:ea typeface="맑은 고딕" panose="020B0503020000020004" pitchFamily="50" charset="-127"/>
+              </a:rPr>
+              <a:t>person</a:t>
+            </a:r>
+            <a:r>
+              <a:rPr lang="en-US" altLang="ko-KR" sz="1700" kern="0" spc="0">
+                <a:solidFill>
+                  <a:srgbClr val="000000"/>
+                </a:solidFill>
+                <a:effectLst/>
+                <a:ea typeface="맑은 고딕" panose="020B0503020000020004" pitchFamily="50" charset="-127"/>
+              </a:rPr>
+              <a:t>;</a:t>
             </a:r>
           </a:p>
           <a:p>
@@ -3662,8 +3781,81 @@
                 <a:effectLst/>
                 <a:ea typeface="맑은 고딕" panose="020B0503020000020004" pitchFamily="50" charset="-127"/>
               </a:rPr>
-              <a:t> topic WHERE id &gt; 1;</a:t>
-            </a:r>
+              <a:t> </a:t>
+            </a:r>
+            <a:r>
+              <a:rPr lang="en-US" altLang="ko-KR" sz="1700" kern="0">
+                <a:solidFill>
+                  <a:srgbClr val="000000"/>
+                </a:solidFill>
+                <a:ea typeface="맑은 고딕" panose="020B0503020000020004" pitchFamily="50" charset="-127"/>
+              </a:rPr>
+              <a:t>person</a:t>
+            </a:r>
+            <a:r>
+              <a:rPr lang="en-US" altLang="ko-KR" sz="1700" kern="0" spc="0">
+                <a:solidFill>
+                  <a:srgbClr val="000000"/>
+                </a:solidFill>
+                <a:effectLst/>
+                <a:ea typeface="맑은 고딕" panose="020B0503020000020004" pitchFamily="50" charset="-127"/>
+              </a:rPr>
+              <a:t> WHERE id &gt; 1;</a:t>
+            </a:r>
+          </a:p>
+          <a:p>
+            <a:pPr lvl="1"/>
+            <a:r>
+              <a:rPr lang="en-US" altLang="ko-KR" sz="1700" kern="0">
+                <a:solidFill>
+                  <a:srgbClr val="000000"/>
+                </a:solidFill>
+                <a:ea typeface="맑은 고딕" panose="020B0503020000020004" pitchFamily="50" charset="-127"/>
+              </a:rPr>
+              <a:t>SELECT * person WHERE id &gt;= 1;</a:t>
+            </a:r>
+          </a:p>
+          <a:p>
+            <a:pPr lvl="1"/>
+            <a:r>
+              <a:rPr lang="en-US" altLang="ko-KR" sz="1700" kern="0">
+                <a:solidFill>
+                  <a:srgbClr val="000000"/>
+                </a:solidFill>
+                <a:ea typeface="맑은 고딕" panose="020B0503020000020004" pitchFamily="50" charset="-127"/>
+              </a:rPr>
+              <a:t>SELECT * person WHERE id &gt;= 1;</a:t>
+            </a:r>
+          </a:p>
+          <a:p>
+            <a:pPr lvl="1"/>
+            <a:r>
+              <a:rPr lang="en-US" altLang="ko-KR" sz="1700" kern="0" spc="0">
+                <a:solidFill>
+                  <a:srgbClr val="000000"/>
+                </a:solidFill>
+                <a:effectLst/>
+                <a:ea typeface="맑은 고딕" panose="020B0503020000020004" pitchFamily="50" charset="-127"/>
+              </a:rPr>
+              <a:t>	// == </a:t>
+            </a:r>
+            <a:r>
+              <a:rPr lang="ko-KR" altLang="en-US" sz="1700" kern="0" spc="0">
+                <a:solidFill>
+                  <a:srgbClr val="000000"/>
+                </a:solidFill>
+                <a:effectLst/>
+                <a:ea typeface="맑은 고딕" panose="020B0503020000020004" pitchFamily="50" charset="-127"/>
+              </a:rPr>
+              <a:t>아님</a:t>
+            </a:r>
+            <a:endParaRPr lang="en-US" altLang="ko-KR" sz="1700" kern="0" spc="0">
+              <a:solidFill>
+                <a:srgbClr val="000000"/>
+              </a:solidFill>
+              <a:effectLst/>
+              <a:ea typeface="맑은 고딕" panose="020B0503020000020004" pitchFamily="50" charset="-127"/>
+            </a:endParaRPr>
           </a:p>
           <a:p>
             <a:r>
@@ -3692,8 +3884,90 @@
                 <a:effectLst/>
                 <a:ea typeface="맑은 고딕" panose="020B0503020000020004" pitchFamily="50" charset="-127"/>
               </a:rPr>
-              <a:t>SELECT * FROM topic ORDER BY id;</a:t>
-            </a:r>
+              <a:t>SELECT * FROM </a:t>
+            </a:r>
+            <a:r>
+              <a:rPr lang="en-US" altLang="ko-KR" sz="1700" kern="0">
+                <a:solidFill>
+                  <a:srgbClr val="000000"/>
+                </a:solidFill>
+                <a:ea typeface="맑은 고딕" panose="020B0503020000020004" pitchFamily="50" charset="-127"/>
+              </a:rPr>
+              <a:t>person</a:t>
+            </a:r>
+            <a:r>
+              <a:rPr lang="en-US" altLang="ko-KR" sz="1700" kern="0" spc="0">
+                <a:solidFill>
+                  <a:srgbClr val="000000"/>
+                </a:solidFill>
+                <a:effectLst/>
+                <a:ea typeface="맑은 고딕" panose="020B0503020000020004" pitchFamily="50" charset="-127"/>
+              </a:rPr>
+              <a:t> ORDER BY </a:t>
+            </a:r>
+            <a:r>
+              <a:rPr lang="en-US" altLang="ko-KR" sz="1700" kern="0">
+                <a:solidFill>
+                  <a:srgbClr val="000000"/>
+                </a:solidFill>
+                <a:ea typeface="맑은 고딕" panose="020B0503020000020004" pitchFamily="50" charset="-127"/>
+              </a:rPr>
+              <a:t>create_at</a:t>
+            </a:r>
+            <a:r>
+              <a:rPr lang="en-US" altLang="ko-KR" sz="1700" kern="0" spc="0">
+                <a:solidFill>
+                  <a:srgbClr val="000000"/>
+                </a:solidFill>
+                <a:effectLst/>
+                <a:ea typeface="맑은 고딕" panose="020B0503020000020004" pitchFamily="50" charset="-127"/>
+              </a:rPr>
+              <a:t>;	// ASC</a:t>
+            </a:r>
+            <a:r>
+              <a:rPr lang="ko-KR" altLang="en-US" sz="1700" kern="0" spc="0">
+                <a:solidFill>
+                  <a:srgbClr val="000000"/>
+                </a:solidFill>
+                <a:effectLst/>
+                <a:ea typeface="맑은 고딕" panose="020B0503020000020004" pitchFamily="50" charset="-127"/>
+              </a:rPr>
+              <a:t>가 디폴트</a:t>
+            </a:r>
+            <a:r>
+              <a:rPr lang="en-US" altLang="ko-KR" sz="1700" kern="0">
+                <a:solidFill>
+                  <a:srgbClr val="000000"/>
+                </a:solidFill>
+                <a:ea typeface="맑은 고딕" panose="020B0503020000020004" pitchFamily="50" charset="-127"/>
+              </a:rPr>
+              <a:t>. </a:t>
+            </a:r>
+            <a:r>
+              <a:rPr lang="ko-KR" altLang="en-US" sz="1700" kern="0">
+                <a:solidFill>
+                  <a:srgbClr val="000000"/>
+                </a:solidFill>
+                <a:ea typeface="맑은 고딕" panose="020B0503020000020004" pitchFamily="50" charset="-127"/>
+              </a:rPr>
+              <a:t>반대로 하고싶으면 </a:t>
+            </a:r>
+            <a:r>
+              <a:rPr lang="en-US" altLang="ko-KR" sz="1700" kern="0">
+                <a:solidFill>
+                  <a:srgbClr val="000000"/>
+                </a:solidFill>
+                <a:ea typeface="맑은 고딕" panose="020B0503020000020004" pitchFamily="50" charset="-127"/>
+              </a:rPr>
+              <a:t>DESC</a:t>
+            </a:r>
+            <a:endParaRPr lang="en-US" altLang="ko-KR" sz="1700" kern="0" spc="0">
+              <a:solidFill>
+                <a:srgbClr val="000000"/>
+              </a:solidFill>
+              <a:effectLst/>
+              <a:ea typeface="맑은 고딕" panose="020B0503020000020004" pitchFamily="50" charset="-127"/>
+            </a:endParaRPr>
           </a:p>
         </p:txBody>
       </p:sp>
@@ -3710,7 +3984,7 @@
 </p:sld>
 </file>
 
-<file path=ppt/slides/slide2.xml><?xml version="1.0" encoding="utf-8"?>
+<file path=ppt/slides/slide3.xml><?xml version="1.0" encoding="utf-8"?>
 <p:sld xmlns:a="http://schemas.openxmlformats.org/drawingml/2006/main" xmlns:r="http://schemas.openxmlformats.org/officeDocument/2006/relationships" xmlns:p="http://schemas.openxmlformats.org/presentationml/2006/main">
   <p:cSld>
     <p:bg>
@@ -4106,7 +4380,67 @@
 </p:sld>
 </file>
 
-<file path=ppt/slides/slide3.xml><?xml version="1.0" encoding="utf-8"?>
+<file path=ppt/slides/slide4.xml><?xml version="1.0" encoding="utf-8"?>
+<p:sld xmlns:a="http://schemas.openxmlformats.org/drawingml/2006/main" xmlns:r="http://schemas.openxmlformats.org/officeDocument/2006/relationships" xmlns:p="http://schemas.openxmlformats.org/presentationml/2006/main">
+  <p:cSld>
+    <p:spTree>
+      <p:nvGrpSpPr>
+        <p:cNvPr id="1" name=""/>
+        <p:cNvGrpSpPr/>
+        <p:nvPr/>
+      </p:nvGrpSpPr>
+      <p:grpSpPr>
+        <a:xfrm>
+          <a:off x="0" y="0"/>
+          <a:ext cx="0" cy="0"/>
+          <a:chOff x="0" y="0"/>
+          <a:chExt cx="0" cy="0"/>
+        </a:xfrm>
+      </p:grpSpPr>
+      <p:pic>
+        <p:nvPicPr>
+          <p:cNvPr id="7" name="그림 6">
+            <a:extLst>
+              <a:ext uri="{FF2B5EF4-FFF2-40B4-BE49-F238E27FC236}">
+                <a16:creationId xmlns:a16="http://schemas.microsoft.com/office/drawing/2014/main" id="{373E2EDC-412C-43BF-8632-C3A757F66D8A}"/>
+              </a:ext>
+            </a:extLst>
+          </p:cNvPr>
+          <p:cNvPicPr>
+            <a:picLocks noChangeAspect="1"/>
+          </p:cNvPicPr>
+          <p:nvPr/>
+        </p:nvPicPr>
+        <p:blipFill>
+          <a:blip r:embed="rId2"/>
+          <a:stretch>
+            <a:fillRect/>
+          </a:stretch>
+        </p:blipFill>
+        <p:spPr>
+          <a:xfrm>
+            <a:off x="3224212" y="1871662"/>
+            <a:ext cx="5743575" cy="3114675"/>
+          </a:xfrm>
+          <a:prstGeom prst="rect">
+            <a:avLst/>
+          </a:prstGeom>
+        </p:spPr>
+      </p:pic>
+    </p:spTree>
+    <p:extLst>
+      <p:ext uri="{BB962C8B-B14F-4D97-AF65-F5344CB8AC3E}">
+        <p14:creationId xmlns:p14="http://schemas.microsoft.com/office/powerpoint/2010/main" val="3298372775"/>
+      </p:ext>
+    </p:extLst>
+  </p:cSld>
+  <p:clrMapOvr>
+    <a:masterClrMapping/>
+  </p:clrMapOvr>
+</p:sld>
+</file>
+
+<file path=ppt/slides/slide5.xml><?xml version="1.0" encoding="utf-8"?>
 <p:sld xmlns:a="http://schemas.openxmlformats.org/drawingml/2006/main" xmlns:r="http://schemas.openxmlformats.org/officeDocument/2006/relationships" xmlns:p="http://schemas.openxmlformats.org/presentationml/2006/main">
   <p:cSld>
     <p:bg>
